--- a/PPTs/PreDefenseTemplate.pptx
+++ b/PPTs/PreDefenseTemplate.pptx
@@ -239,7 +239,7 @@
           <a:p>
             <a:fld id="{8216D14C-1344-4906-A226-E2AA75D648C8}" type="datetimeFigureOut">
               <a:rPr kumimoji="1" lang="ja-JP" altLang="en-US" smtClean="0"/>
-              <a:t>2018/10/12</a:t>
+              <a:t>2021/9/22</a:t>
             </a:fld>
             <a:endParaRPr kumimoji="1" lang="ja-JP" altLang="en-US"/>
           </a:p>
@@ -1248,7 +1248,7 @@
           <a:p>
             <a:fld id="{CA5C3D54-264F-4368-8E88-A5E5A19055EF}" type="datetime1">
               <a:rPr kumimoji="1" lang="ja-JP" altLang="en-US" smtClean="0"/>
-              <a:t>2018/10/12</a:t>
+              <a:t>2021/9/22</a:t>
             </a:fld>
             <a:endParaRPr kumimoji="1" lang="ja-JP" altLang="en-US"/>
           </a:p>
@@ -1448,7 +1448,7 @@
           <a:p>
             <a:fld id="{253083E2-6065-4B86-8334-D282129960D8}" type="datetime1">
               <a:rPr kumimoji="1" lang="ja-JP" altLang="en-US" smtClean="0"/>
-              <a:t>2018/10/12</a:t>
+              <a:t>2021/9/22</a:t>
             </a:fld>
             <a:endParaRPr kumimoji="1" lang="ja-JP" altLang="en-US"/>
           </a:p>
@@ -1658,7 +1658,7 @@
           <a:p>
             <a:fld id="{64E24C7A-066C-4423-9605-237619CD1D4A}" type="datetime1">
               <a:rPr kumimoji="1" lang="ja-JP" altLang="en-US" smtClean="0"/>
-              <a:t>2018/10/12</a:t>
+              <a:t>2021/9/22</a:t>
             </a:fld>
             <a:endParaRPr kumimoji="1" lang="ja-JP" altLang="en-US"/>
           </a:p>
@@ -1816,7 +1816,7 @@
           <a:p>
             <a:fld id="{76F9CAD5-3A3D-46D8-B876-EF8A56493963}" type="datetime1">
               <a:rPr kumimoji="1" lang="ja-JP" altLang="en-US" smtClean="0"/>
-              <a:t>2018/10/12</a:t>
+              <a:t>2021/9/22</a:t>
             </a:fld>
             <a:endParaRPr kumimoji="1" lang="ja-JP" altLang="en-US"/>
           </a:p>
@@ -1996,7 +1996,7 @@
           <a:p>
             <a:fld id="{E354941A-2CCE-4781-B146-803D4EE3FBF4}" type="datetime1">
               <a:rPr kumimoji="1" lang="ja-JP" altLang="en-US" smtClean="0"/>
-              <a:t>2018/10/12</a:t>
+              <a:t>2021/9/22</a:t>
             </a:fld>
             <a:endParaRPr kumimoji="1" lang="ja-JP" altLang="en-US"/>
           </a:p>
@@ -2246,7 +2246,7 @@
           <a:p>
             <a:fld id="{46CDDC00-21B4-42FA-B9D0-7167BD28AD1E}" type="datetime1">
               <a:rPr kumimoji="1" lang="ja-JP" altLang="en-US" smtClean="0"/>
-              <a:t>2018/10/12</a:t>
+              <a:t>2021/9/22</a:t>
             </a:fld>
             <a:endParaRPr kumimoji="1" lang="ja-JP" altLang="en-US"/>
           </a:p>
@@ -2500,7 +2500,7 @@
           <a:p>
             <a:fld id="{476648DE-A5F5-4E29-AFD2-0AA720130350}" type="datetime1">
               <a:rPr kumimoji="1" lang="ja-JP" altLang="en-US" smtClean="0"/>
-              <a:t>2018/10/12</a:t>
+              <a:t>2021/9/22</a:t>
             </a:fld>
             <a:endParaRPr kumimoji="1" lang="ja-JP" altLang="en-US"/>
           </a:p>
@@ -2849,7 +2849,7 @@
           <a:p>
             <a:fld id="{198CB48C-6B76-43E9-86D8-A8939AF66086}" type="datetime1">
               <a:rPr kumimoji="1" lang="ja-JP" altLang="en-US" smtClean="0"/>
-              <a:t>2018/10/12</a:t>
+              <a:t>2021/9/22</a:t>
             </a:fld>
             <a:endParaRPr kumimoji="1" lang="ja-JP" altLang="en-US"/>
           </a:p>
@@ -3340,7 +3340,7 @@
           <a:p>
             <a:fld id="{0DD20F63-E822-4ED0-8D03-9A612FDD1AE7}" type="datetime1">
               <a:rPr kumimoji="1" lang="ja-JP" altLang="en-US" smtClean="0"/>
-              <a:t>2018/10/12</a:t>
+              <a:t>2021/9/22</a:t>
             </a:fld>
             <a:endParaRPr kumimoji="1" lang="ja-JP" altLang="en-US"/>
           </a:p>
@@ -3466,7 +3466,7 @@
           <a:p>
             <a:fld id="{658B8276-0414-40A6-9ED6-3BAC4F26075D}" type="datetime1">
               <a:rPr kumimoji="1" lang="ja-JP" altLang="en-US" smtClean="0"/>
-              <a:t>2018/10/12</a:t>
+              <a:t>2021/9/22</a:t>
             </a:fld>
             <a:endParaRPr kumimoji="1" lang="ja-JP" altLang="en-US"/>
           </a:p>
@@ -3569,7 +3569,7 @@
           <a:p>
             <a:fld id="{F2E9F5F2-52D4-4A0F-BCD7-7FD57A0825E6}" type="datetime1">
               <a:rPr kumimoji="1" lang="ja-JP" altLang="en-US" smtClean="0"/>
-              <a:t>2018/10/12</a:t>
+              <a:t>2021/9/22</a:t>
             </a:fld>
             <a:endParaRPr kumimoji="1" lang="ja-JP" altLang="en-US"/>
           </a:p>
@@ -3876,7 +3876,7 @@
           <a:p>
             <a:fld id="{9F4A0CF1-9205-4CBF-82E5-515EE42D81DE}" type="datetime1">
               <a:rPr kumimoji="1" lang="ja-JP" altLang="en-US" smtClean="0"/>
-              <a:t>2018/10/12</a:t>
+              <a:t>2021/9/22</a:t>
             </a:fld>
             <a:endParaRPr kumimoji="1" lang="ja-JP" altLang="en-US"/>
           </a:p>
@@ -4131,7 +4131,7 @@
           <a:p>
             <a:fld id="{FEF80C25-BEDE-4B82-8E43-05B82F51A29A}" type="datetime1">
               <a:rPr kumimoji="1" lang="ja-JP" altLang="en-US" smtClean="0"/>
-              <a:t>2018/10/12</a:t>
+              <a:t>2021/9/22</a:t>
             </a:fld>
             <a:endParaRPr kumimoji="1" lang="ja-JP" altLang="en-US"/>
           </a:p>
@@ -4374,7 +4374,7 @@
           <a:p>
             <a:fld id="{B78C07F0-0EEC-4B0B-A16D-31AD1CA7C762}" type="datetime1">
               <a:rPr kumimoji="1" lang="ja-JP" altLang="en-US" smtClean="0"/>
-              <a:t>2018/10/12</a:t>
+              <a:t>2021/9/22</a:t>
             </a:fld>
             <a:endParaRPr kumimoji="1" lang="ja-JP" altLang="en-US"/>
           </a:p>
@@ -4904,7 +4904,7 @@
             </a:r>
             <a:r>
               <a:rPr kumimoji="1" lang="ja-JP" altLang="en-US" dirty="0"/>
-              <a:t>を示すこと（ここが外観図と異なる点）</a:t>
+              <a:t>を示すこと（ここが概観図と異なる点）</a:t>
             </a:r>
             <a:endParaRPr kumimoji="1" lang="en-US" altLang="ja-JP" dirty="0"/>
           </a:p>
@@ -17891,7 +17891,7 @@
             </a:pPr>
             <a:r>
               <a:rPr lang="ja-JP" altLang="en-US" dirty="0"/>
-              <a:t>外観図の例：</a:t>
+              <a:t>概観図の例：</a:t>
             </a:r>
             <a:r>
               <a:rPr lang="zh-TW" altLang="en-US" dirty="0"/>
@@ -18258,7 +18258,6 @@
             <a:tailEnd/>
           </a:ln>
           <a:effectLst/>
-          <a:extLst/>
         </p:spPr>
         <p:txBody>
           <a:bodyPr wrap="none" anchor="ctr"/>
@@ -20612,7 +20611,6 @@
             <a:tailEnd/>
           </a:ln>
           <a:effectLst/>
-          <a:extLst/>
         </p:spPr>
         <p:txBody>
           <a:bodyPr wrap="none" anchor="ctr"/>
@@ -20663,7 +20661,6 @@
             <a:tailEnd/>
           </a:ln>
           <a:effectLst/>
-          <a:extLst/>
         </p:spPr>
         <p:txBody>
           <a:bodyPr wrap="none" anchor="ctr"/>
@@ -27635,7 +27632,6 @@
             <a:tailEnd/>
           </a:ln>
           <a:effectLst/>
-          <a:extLst/>
         </p:spPr>
         <p:txBody>
           <a:bodyPr wrap="none" anchor="ctr"/>
@@ -27685,7 +27681,6 @@
             <a:tailEnd/>
           </a:ln>
           <a:effectLst/>
-          <a:extLst/>
         </p:spPr>
         <p:txBody>
           <a:bodyPr wrap="none" anchor="ctr"/>
@@ -27735,7 +27730,6 @@
             <a:tailEnd/>
           </a:ln>
           <a:effectLst/>
-          <a:extLst/>
         </p:spPr>
         <p:txBody>
           <a:bodyPr wrap="none" anchor="ctr"/>
@@ -27954,7 +27948,6 @@
             <a:tailEnd/>
           </a:ln>
           <a:effectLst/>
-          <a:extLst/>
         </p:spPr>
         <p:txBody>
           <a:bodyPr wrap="none" anchor="ctr"/>
@@ -27995,7 +27988,6 @@
             <a:tailEnd/>
           </a:ln>
           <a:effectLst/>
-          <a:extLst/>
         </p:spPr>
         <p:txBody>
           <a:bodyPr wrap="none" anchor="ctr"/>
@@ -28036,7 +28028,6 @@
             <a:tailEnd/>
           </a:ln>
           <a:effectLst/>
-          <a:extLst/>
         </p:spPr>
         <p:txBody>
           <a:bodyPr wrap="none" anchor="ctr"/>
@@ -28077,7 +28068,6 @@
             <a:tailEnd/>
           </a:ln>
           <a:effectLst/>
-          <a:extLst/>
         </p:spPr>
         <p:txBody>
           <a:bodyPr wrap="none" anchor="ctr"/>
@@ -28118,7 +28108,6 @@
             <a:tailEnd/>
           </a:ln>
           <a:effectLst/>
-          <a:extLst/>
         </p:spPr>
         <p:txBody>
           <a:bodyPr wrap="none" anchor="ctr"/>
@@ -28216,7 +28205,6 @@
             <a:tailEnd/>
           </a:ln>
           <a:effectLst/>
-          <a:extLst/>
         </p:spPr>
         <p:txBody>
           <a:bodyPr wrap="none" anchor="ctr"/>
@@ -28257,7 +28245,6 @@
             <a:tailEnd/>
           </a:ln>
           <a:effectLst/>
-          <a:extLst/>
         </p:spPr>
         <p:txBody>
           <a:bodyPr wrap="none" anchor="ctr"/>
@@ -28300,7 +28287,6 @@
             <a:tailEnd/>
           </a:ln>
           <a:effectLst/>
-          <a:extLst/>
         </p:spPr>
         <p:txBody>
           <a:bodyPr wrap="none" anchor="ctr"/>
@@ -28348,7 +28334,6 @@
             <a:tailEnd/>
           </a:ln>
           <a:effectLst/>
-          <a:extLst/>
         </p:spPr>
         <p:txBody>
           <a:bodyPr vert="eaVert" wrap="none" anchor="ctr"/>
@@ -28389,7 +28374,6 @@
             <a:tailEnd/>
           </a:ln>
           <a:effectLst/>
-          <a:extLst/>
         </p:spPr>
         <p:txBody>
           <a:bodyPr wrap="none" anchor="ctr"/>
@@ -28429,7 +28413,6 @@
             <a:tailEnd/>
           </a:ln>
           <a:effectLst/>
-          <a:extLst/>
         </p:spPr>
         <p:txBody>
           <a:bodyPr wrap="none" anchor="ctr"/>
